--- a/清华简约主题-顶边-4-3.pptx
+++ b/清华简约主题-顶边-4-3.pptx
@@ -370,7 +370,7 @@
           <a:p>
             <a:fld id="{E4551058-E5DB-324A-A8E9-6D3BEF243C3B}" type="datetimeFigureOut">
               <a:rPr kumimoji="1" lang="zh-CN" altLang="en-US" smtClean="0"/>
-              <a:t>2020/6/12</a:t>
+              <a:t>2022/6/5</a:t>
             </a:fld>
             <a:endParaRPr kumimoji="1" lang="zh-CN" altLang="en-US"/>
           </a:p>
@@ -718,7 +718,7 @@
           <a:p>
             <a:fld id="{E4551058-E5DB-324A-A8E9-6D3BEF243C3B}" type="datetimeFigureOut">
               <a:rPr kumimoji="1" lang="zh-CN" altLang="en-US" smtClean="0"/>
-              <a:t>2020/6/12</a:t>
+              <a:t>2022/6/5</a:t>
             </a:fld>
             <a:endParaRPr kumimoji="1" lang="zh-CN" altLang="en-US"/>
           </a:p>
@@ -926,7 +926,7 @@
           <a:p>
             <a:fld id="{E4551058-E5DB-324A-A8E9-6D3BEF243C3B}" type="datetimeFigureOut">
               <a:rPr kumimoji="1" lang="zh-CN" altLang="en-US" smtClean="0"/>
-              <a:t>2020/6/12</a:t>
+              <a:t>2022/6/5</a:t>
             </a:fld>
             <a:endParaRPr kumimoji="1" lang="zh-CN" altLang="en-US"/>
           </a:p>
@@ -1083,8 +1083,8 @@
         </p:nvSpPr>
         <p:spPr>
           <a:xfrm>
-            <a:off x="6629402" y="675729"/>
-            <a:ext cx="1503123" cy="5183073"/>
+            <a:off x="6745256" y="675729"/>
+            <a:ext cx="1387269" cy="5183073"/>
           </a:xfrm>
           <a:prstGeom prst="rect">
             <a:avLst/>
@@ -1095,7 +1095,7 @@
           <a:lstStyle/>
           <a:p>
             <a:r>
-              <a:rPr lang="zh-CN" altLang="en-US"/>
+              <a:rPr lang="zh-CN" altLang="en-US" dirty="0"/>
               <a:t>单击此处编辑母版标题样式</a:t>
             </a:r>
             <a:endParaRPr lang="en-US" dirty="0"/>
@@ -1192,7 +1192,7 @@
           <a:p>
             <a:fld id="{E4551058-E5DB-324A-A8E9-6D3BEF243C3B}" type="datetimeFigureOut">
               <a:rPr kumimoji="1" lang="zh-CN" altLang="en-US" smtClean="0"/>
-              <a:t>2020/6/12</a:t>
+              <a:t>2022/6/5</a:t>
             </a:fld>
             <a:endParaRPr kumimoji="1" lang="zh-CN" altLang="en-US"/>
           </a:p>
@@ -1405,7 +1405,7 @@
           <a:p>
             <a:fld id="{E4551058-E5DB-324A-A8E9-6D3BEF243C3B}" type="datetimeFigureOut">
               <a:rPr kumimoji="1" lang="zh-CN" altLang="en-US" smtClean="0"/>
-              <a:t>2020/6/12</a:t>
+              <a:t>2022/6/5</a:t>
             </a:fld>
             <a:endParaRPr kumimoji="1" lang="zh-CN" altLang="en-US"/>
           </a:p>
@@ -1578,7 +1578,7 @@
           <a:p>
             <a:fld id="{E4551058-E5DB-324A-A8E9-6D3BEF243C3B}" type="datetimeFigureOut">
               <a:rPr kumimoji="1" lang="zh-CN" altLang="en-US" smtClean="0"/>
-              <a:t>2020/6/12</a:t>
+              <a:t>2022/6/5</a:t>
             </a:fld>
             <a:endParaRPr kumimoji="1" lang="zh-CN" altLang="en-US"/>
           </a:p>
@@ -2052,7 +2052,7 @@
           <a:p>
             <a:fld id="{E4551058-E5DB-324A-A8E9-6D3BEF243C3B}" type="datetimeFigureOut">
               <a:rPr kumimoji="1" lang="zh-CN" altLang="en-US" smtClean="0"/>
-              <a:t>2020/6/12</a:t>
+              <a:t>2022/6/5</a:t>
             </a:fld>
             <a:endParaRPr kumimoji="1" lang="zh-CN" altLang="en-US"/>
           </a:p>
@@ -2327,7 +2327,7 @@
           <a:p>
             <a:fld id="{E4551058-E5DB-324A-A8E9-6D3BEF243C3B}" type="datetimeFigureOut">
               <a:rPr kumimoji="1" lang="zh-CN" altLang="en-US" smtClean="0"/>
-              <a:t>2020/6/12</a:t>
+              <a:t>2022/6/5</a:t>
             </a:fld>
             <a:endParaRPr kumimoji="1" lang="zh-CN" altLang="en-US"/>
           </a:p>
@@ -2710,7 +2710,7 @@
           <a:p>
             <a:fld id="{E4551058-E5DB-324A-A8E9-6D3BEF243C3B}" type="datetimeFigureOut">
               <a:rPr kumimoji="1" lang="zh-CN" altLang="en-US" smtClean="0"/>
-              <a:t>2020/6/12</a:t>
+              <a:t>2022/6/5</a:t>
             </a:fld>
             <a:endParaRPr kumimoji="1" lang="zh-CN" altLang="en-US"/>
           </a:p>
@@ -2833,7 +2833,7 @@
           <a:p>
             <a:fld id="{E4551058-E5DB-324A-A8E9-6D3BEF243C3B}" type="datetimeFigureOut">
               <a:rPr kumimoji="1" lang="zh-CN" altLang="en-US" smtClean="0"/>
-              <a:t>2020/6/12</a:t>
+              <a:t>2022/6/5</a:t>
             </a:fld>
             <a:endParaRPr kumimoji="1" lang="zh-CN" altLang="en-US"/>
           </a:p>
@@ -2956,7 +2956,7 @@
           <a:p>
             <a:fld id="{E4551058-E5DB-324A-A8E9-6D3BEF243C3B}" type="datetimeFigureOut">
               <a:rPr kumimoji="1" lang="zh-CN" altLang="en-US" smtClean="0"/>
-              <a:t>2020/6/12</a:t>
+              <a:t>2022/6/5</a:t>
             </a:fld>
             <a:endParaRPr kumimoji="1" lang="zh-CN" altLang="en-US"/>
           </a:p>
@@ -3387,7 +3387,7 @@
           <a:p>
             <a:fld id="{E4551058-E5DB-324A-A8E9-6D3BEF243C3B}" type="datetimeFigureOut">
               <a:rPr kumimoji="1" lang="zh-CN" altLang="en-US" smtClean="0"/>
-              <a:t>2020/6/12</a:t>
+              <a:t>2022/6/5</a:t>
             </a:fld>
             <a:endParaRPr kumimoji="1" lang="zh-CN" altLang="en-US"/>
           </a:p>
@@ -3722,7 +3722,7 @@
           <a:p>
             <a:fld id="{E4551058-E5DB-324A-A8E9-6D3BEF243C3B}" type="datetimeFigureOut">
               <a:rPr kumimoji="1" lang="zh-CN" altLang="en-US" smtClean="0"/>
-              <a:t>2020/6/12</a:t>
+              <a:t>2022/6/5</a:t>
             </a:fld>
             <a:endParaRPr kumimoji="1" lang="zh-CN" altLang="en-US"/>
           </a:p>

--- a/清华简约主题-顶边-4-3.pptx
+++ b/清华简约主题-顶边-4-3.pptx
@@ -1235,7 +1235,7 @@
         <p:spPr>
           <a:xfrm>
             <a:off x="7834963" y="5956140"/>
-            <a:ext cx="873146" cy="365125"/>
+            <a:ext cx="727843" cy="365125"/>
           </a:xfrm>
         </p:spPr>
         <p:txBody>
@@ -1257,7 +1257,7 @@
               <a:rPr kumimoji="1" lang="zh-CN" altLang="en-US" smtClean="0"/>
               <a:t>‹#›</a:t>
             </a:fld>
-            <a:endParaRPr kumimoji="1" lang="zh-CN" altLang="en-US"/>
+            <a:endParaRPr kumimoji="1" lang="zh-CN" altLang="en-US" dirty="0"/>
           </a:p>
         </p:txBody>
       </p:sp>
@@ -4320,8 +4320,12 @@
           <a:lstStyle/>
           <a:p>
             <a:r>
+              <a:rPr kumimoji="1" lang="zh-CN" altLang="en-US"/>
+              <a:t>清华简约</a:t>
+            </a:r>
+            <a:r>
               <a:rPr kumimoji="1" lang="zh-CN" altLang="en-US" dirty="0"/>
-              <a:t>清华简约主题</a:t>
+              <a:t>主题</a:t>
             </a:r>
             <a:r>
               <a:rPr kumimoji="1" lang="en-US" altLang="zh-CN" dirty="0"/>

--- a/清华简约主题-顶边-4-3.pptx
+++ b/清华简约主题-顶边-4-3.pptx
@@ -136,6 +136,36 @@
           <a:chExt cx="0" cy="0"/>
         </a:xfrm>
       </p:grpSpPr>
+      <p:pic>
+        <p:nvPicPr>
+          <p:cNvPr id="12" name="图片 11">
+            <a:extLst>
+              <a:ext uri="{FF2B5EF4-FFF2-40B4-BE49-F238E27FC236}">
+                <a16:creationId xmlns:a16="http://schemas.microsoft.com/office/drawing/2014/main" id="{0F00D46C-3D24-1345-A71C-109D642234C6}"/>
+              </a:ext>
+            </a:extLst>
+          </p:cNvPr>
+          <p:cNvPicPr>
+            <a:picLocks noChangeAspect="1"/>
+          </p:cNvPicPr>
+          <p:nvPr userDrawn="1"/>
+        </p:nvPicPr>
+        <p:blipFill>
+          <a:blip r:embed="rId2"/>
+          <a:stretch>
+            <a:fillRect/>
+          </a:stretch>
+        </p:blipFill>
+        <p:spPr>
+          <a:xfrm>
+            <a:off x="435895" y="259080"/>
+            <a:ext cx="2540842" cy="1000401"/>
+          </a:xfrm>
+          <a:prstGeom prst="rect">
+            <a:avLst/>
+          </a:prstGeom>
+        </p:spPr>
+      </p:pic>
       <p:sp>
         <p:nvSpPr>
           <p:cNvPr id="7" name="Rectangle 6"/>
@@ -199,7 +229,7 @@
           </a:bodyPr>
           <a:lstStyle>
             <a:lvl1pPr algn="ctr">
-              <a:defRPr lang="en-US" altLang="en-US" sz="2700" b="0" kern="1200" cap="all" dirty="0">
+              <a:defRPr lang="en-US" altLang="en-US" sz="2700" b="0" kern="1200" cap="none" baseline="0" dirty="0">
                 <a:solidFill>
                   <a:schemeClr val="bg1"/>
                 </a:solidFill>
@@ -241,7 +271,7 @@
           <a:lstStyle>
             <a:lvl1pPr marL="0" indent="0" algn="ctr">
               <a:buNone/>
-              <a:defRPr sz="1500" cap="all">
+              <a:defRPr sz="1500" cap="none" baseline="0">
                 <a:solidFill>
                   <a:schemeClr val="accent2"/>
                 </a:solidFill>
@@ -339,30 +369,36 @@
       </p:sp>
       <p:sp>
         <p:nvSpPr>
-          <p:cNvPr id="4" name="Date Placeholder 3"/>
-          <p:cNvSpPr>
-            <a:spLocks noGrp="1"/>
-          </p:cNvSpPr>
-          <p:nvPr>
-            <p:ph type="dt" sz="half" idx="10"/>
+          <p:cNvPr id="9" name="Date Placeholder 3">
+            <a:extLst>
+              <a:ext uri="{FF2B5EF4-FFF2-40B4-BE49-F238E27FC236}">
+                <a16:creationId xmlns:a16="http://schemas.microsoft.com/office/drawing/2014/main" id="{D6A96071-85E3-FB4A-B7FD-49F6A15E0506}"/>
+              </a:ext>
+            </a:extLst>
+          </p:cNvPr>
+          <p:cNvSpPr>
+            <a:spLocks noGrp="1"/>
+          </p:cNvSpPr>
+          <p:nvPr>
+            <p:ph type="dt" sz="half" idx="2"/>
           </p:nvPr>
         </p:nvSpPr>
         <p:spPr>
           <a:xfrm>
-            <a:off x="5704463" y="5956140"/>
-            <a:ext cx="2133600" cy="365125"/>
+            <a:off x="5704465" y="5956140"/>
+            <a:ext cx="2133599" cy="365125"/>
           </a:xfrm>
+          <a:prstGeom prst="rect">
+            <a:avLst/>
+          </a:prstGeom>
         </p:spPr>
         <p:txBody>
-          <a:bodyPr/>
+          <a:bodyPr vert="horz" lIns="91440" tIns="45720" rIns="91440" bIns="45720" rtlCol="0" anchor="ctr"/>
           <a:lstStyle>
-            <a:lvl1pPr>
-              <a:defRPr>
+            <a:lvl1pPr algn="r">
+              <a:defRPr sz="675">
                 <a:solidFill>
-                  <a:schemeClr val="accent1">
-                    <a:lumMod val="75000"/>
-                    <a:lumOff val="25000"/>
-                  </a:schemeClr>
+                  <a:schemeClr val="accent2"/>
                 </a:solidFill>
               </a:defRPr>
             </a:lvl1pPr>
@@ -370,7 +406,7 @@
           <a:p>
             <a:fld id="{E4551058-E5DB-324A-A8E9-6D3BEF243C3B}" type="datetimeFigureOut">
               <a:rPr kumimoji="1" lang="zh-CN" altLang="en-US" smtClean="0"/>
-              <a:t>2022/6/5</a:t>
+              <a:t>2022/6/9</a:t>
             </a:fld>
             <a:endParaRPr kumimoji="1" lang="zh-CN" altLang="en-US"/>
           </a:p>
@@ -378,12 +414,18 @@
       </p:sp>
       <p:sp>
         <p:nvSpPr>
-          <p:cNvPr id="5" name="Footer Placeholder 4"/>
-          <p:cNvSpPr>
-            <a:spLocks noGrp="1"/>
-          </p:cNvSpPr>
-          <p:nvPr>
-            <p:ph type="ftr" sz="quarter" idx="11"/>
+          <p:cNvPr id="10" name="Footer Placeholder 4">
+            <a:extLst>
+              <a:ext uri="{FF2B5EF4-FFF2-40B4-BE49-F238E27FC236}">
+                <a16:creationId xmlns:a16="http://schemas.microsoft.com/office/drawing/2014/main" id="{2F6B3DBF-5E42-AA4C-B898-DFDFCECF7D7D}"/>
+              </a:ext>
+            </a:extLst>
+          </p:cNvPr>
+          <p:cNvSpPr>
+            <a:spLocks noGrp="1"/>
+          </p:cNvSpPr>
+          <p:nvPr>
+            <p:ph type="ftr" sz="quarter" idx="3"/>
           </p:nvPr>
         </p:nvSpPr>
         <p:spPr>
@@ -391,17 +433,17 @@
             <a:off x="435895" y="5951814"/>
             <a:ext cx="5187908" cy="365125"/>
           </a:xfrm>
+          <a:prstGeom prst="rect">
+            <a:avLst/>
+          </a:prstGeom>
         </p:spPr>
         <p:txBody>
-          <a:bodyPr/>
+          <a:bodyPr vert="horz" lIns="91440" tIns="45720" rIns="91440" bIns="45720" rtlCol="0" anchor="ctr"/>
           <a:lstStyle>
-            <a:lvl1pPr>
-              <a:defRPr>
+            <a:lvl1pPr algn="l">
+              <a:defRPr sz="675" cap="all">
                 <a:solidFill>
-                  <a:schemeClr val="accent1">
-                    <a:lumMod val="75000"/>
-                    <a:lumOff val="25000"/>
-                  </a:schemeClr>
+                  <a:schemeClr val="accent2"/>
                 </a:solidFill>
               </a:defRPr>
             </a:lvl1pPr>
@@ -413,30 +455,36 @@
       </p:sp>
       <p:sp>
         <p:nvSpPr>
-          <p:cNvPr id="6" name="Slide Number Placeholder 5"/>
-          <p:cNvSpPr>
-            <a:spLocks noGrp="1"/>
-          </p:cNvSpPr>
-          <p:nvPr>
-            <p:ph type="sldNum" sz="quarter" idx="12"/>
+          <p:cNvPr id="11" name="Slide Number Placeholder 5">
+            <a:extLst>
+              <a:ext uri="{FF2B5EF4-FFF2-40B4-BE49-F238E27FC236}">
+                <a16:creationId xmlns:a16="http://schemas.microsoft.com/office/drawing/2014/main" id="{F4670A90-2399-EA40-92E1-D95D031602D9}"/>
+              </a:ext>
+            </a:extLst>
+          </p:cNvPr>
+          <p:cNvSpPr>
+            <a:spLocks noGrp="1"/>
+          </p:cNvSpPr>
+          <p:nvPr>
+            <p:ph type="sldNum" sz="quarter" idx="4"/>
           </p:nvPr>
         </p:nvSpPr>
         <p:spPr>
           <a:xfrm>
-            <a:off x="7918725" y="5956140"/>
-            <a:ext cx="762330" cy="365125"/>
+            <a:off x="7918726" y="5956140"/>
+            <a:ext cx="789383" cy="365125"/>
           </a:xfrm>
+          <a:prstGeom prst="rect">
+            <a:avLst/>
+          </a:prstGeom>
         </p:spPr>
         <p:txBody>
-          <a:bodyPr/>
+          <a:bodyPr vert="horz" lIns="91440" tIns="45720" rIns="91440" bIns="45720" rtlCol="0" anchor="ctr"/>
           <a:lstStyle>
-            <a:lvl1pPr>
-              <a:defRPr>
+            <a:lvl1pPr algn="r">
+              <a:defRPr sz="675">
                 <a:solidFill>
-                  <a:schemeClr val="accent1">
-                    <a:lumMod val="75000"/>
-                    <a:lumOff val="25000"/>
-                  </a:schemeClr>
+                  <a:schemeClr val="accent2"/>
                 </a:solidFill>
               </a:defRPr>
             </a:lvl1pPr>
@@ -450,52 +498,6 @@
           </a:p>
         </p:txBody>
       </p:sp>
-      <p:pic>
-        <p:nvPicPr>
-          <p:cNvPr id="8" name="图片 7">
-            <a:extLst>
-              <a:ext uri="{FF2B5EF4-FFF2-40B4-BE49-F238E27FC236}">
-                <a16:creationId xmlns:a16="http://schemas.microsoft.com/office/drawing/2014/main" id="{194A483F-9AA2-A24C-BA23-AD5256267A43}"/>
-              </a:ext>
-            </a:extLst>
-          </p:cNvPr>
-          <p:cNvPicPr>
-            <a:picLocks noChangeAspect="1"/>
-          </p:cNvPicPr>
-          <p:nvPr userDrawn="1"/>
-        </p:nvPicPr>
-        <p:blipFill>
-          <a:blip r:embed="rId2" cstate="print">
-            <a:clrChange>
-              <a:clrFrom>
-                <a:srgbClr val="FFFFFF"/>
-              </a:clrFrom>
-              <a:clrTo>
-                <a:srgbClr val="FFFFFF">
-                  <a:alpha val="0"/>
-                </a:srgbClr>
-              </a:clrTo>
-            </a:clrChange>
-            <a:extLst>
-              <a:ext uri="{28A0092B-C50C-407E-A947-70E740481C1C}">
-                <a14:useLocalDpi xmlns:a14="http://schemas.microsoft.com/office/drawing/2010/main" val="0"/>
-              </a:ext>
-            </a:extLst>
-          </a:blip>
-          <a:stretch>
-            <a:fillRect/>
-          </a:stretch>
-        </p:blipFill>
-        <p:spPr>
-          <a:xfrm>
-            <a:off x="269282" y="246214"/>
-            <a:ext cx="2540842" cy="1072800"/>
-          </a:xfrm>
-          <a:prstGeom prst="rect">
-            <a:avLst/>
-          </a:prstGeom>
-        </p:spPr>
-      </p:pic>
     </p:spTree>
     <p:extLst>
       <p:ext uri="{BB962C8B-B14F-4D97-AF65-F5344CB8AC3E}">
@@ -718,7 +720,7 @@
           <a:p>
             <a:fld id="{E4551058-E5DB-324A-A8E9-6D3BEF243C3B}" type="datetimeFigureOut">
               <a:rPr kumimoji="1" lang="zh-CN" altLang="en-US" smtClean="0"/>
-              <a:t>2022/6/5</a:t>
+              <a:t>2022/6/9</a:t>
             </a:fld>
             <a:endParaRPr kumimoji="1" lang="zh-CN" altLang="en-US"/>
           </a:p>
@@ -926,7 +928,7 @@
           <a:p>
             <a:fld id="{E4551058-E5DB-324A-A8E9-6D3BEF243C3B}" type="datetimeFigureOut">
               <a:rPr kumimoji="1" lang="zh-CN" altLang="en-US" smtClean="0"/>
-              <a:t>2022/6/5</a:t>
+              <a:t>2022/6/9</a:t>
             </a:fld>
             <a:endParaRPr kumimoji="1" lang="zh-CN" altLang="en-US"/>
           </a:p>
@@ -1073,37 +1075,6 @@
       </p:sp>
       <p:sp>
         <p:nvSpPr>
-          <p:cNvPr id="2" name="Vertical Title 1"/>
-          <p:cNvSpPr>
-            <a:spLocks noGrp="1"/>
-          </p:cNvSpPr>
-          <p:nvPr>
-            <p:ph type="title" orient="vert"/>
-          </p:nvPr>
-        </p:nvSpPr>
-        <p:spPr>
-          <a:xfrm>
-            <a:off x="6745256" y="675729"/>
-            <a:ext cx="1387269" cy="5183073"/>
-          </a:xfrm>
-          <a:prstGeom prst="rect">
-            <a:avLst/>
-          </a:prstGeom>
-        </p:spPr>
-        <p:txBody>
-          <a:bodyPr vert="eaVert" anchor="b"/>
-          <a:lstStyle/>
-          <a:p>
-            <a:r>
-              <a:rPr lang="zh-CN" altLang="en-US" dirty="0"/>
-              <a:t>单击此处编辑母版标题样式</a:t>
-            </a:r>
-            <a:endParaRPr lang="en-US" dirty="0"/>
-          </a:p>
-        </p:txBody>
-      </p:sp>
-      <p:sp>
-        <p:nvSpPr>
           <p:cNvPr id="3" name="Vertical Text Placeholder 2"/>
           <p:cNvSpPr>
             <a:spLocks noGrp="1"/>
@@ -1192,7 +1163,7 @@
           <a:p>
             <a:fld id="{E4551058-E5DB-324A-A8E9-6D3BEF243C3B}" type="datetimeFigureOut">
               <a:rPr kumimoji="1" lang="zh-CN" altLang="en-US" smtClean="0"/>
-              <a:t>2022/6/5</a:t>
+              <a:t>2022/6/9</a:t>
             </a:fld>
             <a:endParaRPr kumimoji="1" lang="zh-CN" altLang="en-US"/>
           </a:p>
@@ -1263,10 +1234,10 @@
       </p:sp>
       <p:pic>
         <p:nvPicPr>
-          <p:cNvPr id="9" name="图片 8">
+          <p:cNvPr id="10" name="图片 9">
             <a:extLst>
               <a:ext uri="{FF2B5EF4-FFF2-40B4-BE49-F238E27FC236}">
-                <a16:creationId xmlns:a16="http://schemas.microsoft.com/office/drawing/2014/main" id="{D15826EF-53DA-AD46-AD39-BF8E284E11D0}"/>
+                <a16:creationId xmlns:a16="http://schemas.microsoft.com/office/drawing/2014/main" id="{47875B51-587B-6E4E-ACF8-6B81E9028D37}"/>
               </a:ext>
             </a:extLst>
           </p:cNvPr>
@@ -1276,31 +1247,52 @@
           <p:nvPr userDrawn="1"/>
         </p:nvPicPr>
         <p:blipFill>
-          <a:blip r:embed="rId2">
-            <a:duotone>
-              <a:schemeClr val="bg2">
-                <a:shade val="45000"/>
-                <a:satMod val="135000"/>
-              </a:schemeClr>
-              <a:prstClr val="white"/>
-            </a:duotone>
-            <a:alphaModFix/>
-            <a:lum bright="100000"/>
-          </a:blip>
+          <a:blip r:embed="rId2"/>
           <a:stretch>
             <a:fillRect/>
           </a:stretch>
         </p:blipFill>
         <p:spPr>
           <a:xfrm>
-            <a:off x="8145415" y="174787"/>
-            <a:ext cx="839724" cy="839724"/>
+            <a:off x="8042870" y="91440"/>
+            <a:ext cx="1011426" cy="1015200"/>
           </a:xfrm>
           <a:prstGeom prst="rect">
             <a:avLst/>
           </a:prstGeom>
         </p:spPr>
       </p:pic>
+      <p:sp>
+        <p:nvSpPr>
+          <p:cNvPr id="2" name="Vertical Title 1"/>
+          <p:cNvSpPr>
+            <a:spLocks noGrp="1"/>
+          </p:cNvSpPr>
+          <p:nvPr>
+            <p:ph type="title" orient="vert"/>
+          </p:nvPr>
+        </p:nvSpPr>
+        <p:spPr>
+          <a:xfrm>
+            <a:off x="6745256" y="675729"/>
+            <a:ext cx="1387269" cy="5183073"/>
+          </a:xfrm>
+          <a:prstGeom prst="rect">
+            <a:avLst/>
+          </a:prstGeom>
+        </p:spPr>
+        <p:txBody>
+          <a:bodyPr vert="eaVert" anchor="b"/>
+          <a:lstStyle/>
+          <a:p>
+            <a:r>
+              <a:rPr lang="zh-CN" altLang="en-US" dirty="0"/>
+              <a:t>单击此处编辑母版标题样式</a:t>
+            </a:r>
+            <a:endParaRPr lang="en-US" dirty="0"/>
+          </a:p>
+        </p:txBody>
+      </p:sp>
     </p:spTree>
     <p:extLst>
       <p:ext uri="{BB962C8B-B14F-4D97-AF65-F5344CB8AC3E}">
@@ -1405,7 +1397,7 @@
           <a:p>
             <a:fld id="{E4551058-E5DB-324A-A8E9-6D3BEF243C3B}" type="datetimeFigureOut">
               <a:rPr kumimoji="1" lang="zh-CN" altLang="en-US" smtClean="0"/>
-              <a:t>2022/6/5</a:t>
+              <a:t>2022/6/9</a:t>
             </a:fld>
             <a:endParaRPr kumimoji="1" lang="zh-CN" altLang="en-US"/>
           </a:p>
@@ -1578,7 +1570,7 @@
           <a:p>
             <a:fld id="{E4551058-E5DB-324A-A8E9-6D3BEF243C3B}" type="datetimeFigureOut">
               <a:rPr kumimoji="1" lang="zh-CN" altLang="en-US" smtClean="0"/>
-              <a:t>2022/6/5</a:t>
+              <a:t>2022/6/9</a:t>
             </a:fld>
             <a:endParaRPr kumimoji="1" lang="zh-CN" altLang="en-US"/>
           </a:p>
@@ -1674,46 +1666,6 @@
           </a:p>
         </p:txBody>
       </p:sp>
-      <p:pic>
-        <p:nvPicPr>
-          <p:cNvPr id="15" name="图片 14">
-            <a:extLst>
-              <a:ext uri="{FF2B5EF4-FFF2-40B4-BE49-F238E27FC236}">
-                <a16:creationId xmlns:a16="http://schemas.microsoft.com/office/drawing/2014/main" id="{0DD8DF0D-52C6-E541-BD5C-34EC1811C1A9}"/>
-              </a:ext>
-            </a:extLst>
-          </p:cNvPr>
-          <p:cNvPicPr>
-            <a:picLocks noChangeAspect="1"/>
-          </p:cNvPicPr>
-          <p:nvPr userDrawn="1"/>
-        </p:nvPicPr>
-        <p:blipFill>
-          <a:blip r:embed="rId2">
-            <a:duotone>
-              <a:schemeClr val="bg2">
-                <a:shade val="45000"/>
-                <a:satMod val="135000"/>
-              </a:schemeClr>
-              <a:prstClr val="white"/>
-            </a:duotone>
-            <a:alphaModFix/>
-            <a:lum bright="100000"/>
-          </a:blip>
-          <a:stretch>
-            <a:fillRect/>
-          </a:stretch>
-        </p:blipFill>
-        <p:spPr>
-          <a:xfrm>
-            <a:off x="167429" y="177144"/>
-            <a:ext cx="1129284" cy="1129284"/>
-          </a:xfrm>
-          <a:prstGeom prst="rect">
-            <a:avLst/>
-          </a:prstGeom>
-        </p:spPr>
-      </p:pic>
       <p:sp>
         <p:nvSpPr>
           <p:cNvPr id="9" name="Content Placeholder 2">
@@ -1795,6 +1747,36 @@
           </a:p>
         </p:txBody>
       </p:sp>
+      <p:pic>
+        <p:nvPicPr>
+          <p:cNvPr id="10" name="图片 9">
+            <a:extLst>
+              <a:ext uri="{FF2B5EF4-FFF2-40B4-BE49-F238E27FC236}">
+                <a16:creationId xmlns:a16="http://schemas.microsoft.com/office/drawing/2014/main" id="{BE9F30A9-4331-0A49-9D19-00A0B885F760}"/>
+              </a:ext>
+            </a:extLst>
+          </p:cNvPr>
+          <p:cNvPicPr>
+            <a:picLocks noChangeAspect="1"/>
+          </p:cNvPicPr>
+          <p:nvPr userDrawn="1"/>
+        </p:nvPicPr>
+        <p:blipFill>
+          <a:blip r:embed="rId2"/>
+          <a:stretch>
+            <a:fillRect/>
+          </a:stretch>
+        </p:blipFill>
+        <p:spPr>
+          <a:xfrm>
+            <a:off x="91440" y="91440"/>
+            <a:ext cx="1011426" cy="1015200"/>
+          </a:xfrm>
+          <a:prstGeom prst="rect">
+            <a:avLst/>
+          </a:prstGeom>
+        </p:spPr>
+      </p:pic>
     </p:spTree>
     <p:extLst>
       <p:ext uri="{BB962C8B-B14F-4D97-AF65-F5344CB8AC3E}">
@@ -1864,6 +1846,36 @@
           </a:fontRef>
         </p:style>
       </p:sp>
+      <p:pic>
+        <p:nvPicPr>
+          <p:cNvPr id="10" name="图片 9">
+            <a:extLst>
+              <a:ext uri="{FF2B5EF4-FFF2-40B4-BE49-F238E27FC236}">
+                <a16:creationId xmlns:a16="http://schemas.microsoft.com/office/drawing/2014/main" id="{2736DAD4-269C-5743-8923-6B8936281522}"/>
+              </a:ext>
+            </a:extLst>
+          </p:cNvPr>
+          <p:cNvPicPr>
+            <a:picLocks noChangeAspect="1"/>
+          </p:cNvPicPr>
+          <p:nvPr userDrawn="1"/>
+        </p:nvPicPr>
+        <p:blipFill>
+          <a:blip r:embed="rId2"/>
+          <a:stretch>
+            <a:fillRect/>
+          </a:stretch>
+        </p:blipFill>
+        <p:spPr>
+          <a:xfrm>
+            <a:off x="8002014" y="5263790"/>
+            <a:ext cx="1011426" cy="1015200"/>
+          </a:xfrm>
+          <a:prstGeom prst="rect">
+            <a:avLst/>
+          </a:prstGeom>
+        </p:spPr>
+      </p:pic>
       <p:sp>
         <p:nvSpPr>
           <p:cNvPr id="2" name="Title 1"/>
@@ -1889,7 +1901,7 @@
           </a:bodyPr>
           <a:lstStyle>
             <a:lvl1pPr algn="l">
-              <a:defRPr sz="2700" b="0" cap="all">
+              <a:defRPr sz="2700" b="0" cap="none" baseline="0">
                 <a:solidFill>
                   <a:schemeClr val="accent1"/>
                 </a:solidFill>
@@ -1898,7 +1910,7 @@
           </a:lstStyle>
           <a:p>
             <a:r>
-              <a:rPr lang="zh-CN" altLang="en-US"/>
+              <a:rPr lang="zh-CN" altLang="en-US" dirty="0"/>
               <a:t>单击此处编辑母版标题样式</a:t>
             </a:r>
             <a:endParaRPr lang="en-US" dirty="0"/>
@@ -1928,7 +1940,7 @@
           <a:lstStyle>
             <a:lvl1pPr marL="0" indent="0" algn="l">
               <a:buNone/>
-              <a:defRPr sz="1350" cap="all">
+              <a:defRPr sz="1350" cap="none" baseline="0">
                 <a:solidFill>
                   <a:schemeClr val="accent2"/>
                 </a:solidFill>
@@ -2018,7 +2030,7 @@
           <a:p>
             <a:pPr lvl="0"/>
             <a:r>
-              <a:rPr lang="zh-CN" altLang="en-US"/>
+              <a:rPr lang="zh-CN" altLang="en-US" dirty="0"/>
               <a:t>单击此处编辑母版文本样式</a:t>
             </a:r>
           </a:p>
@@ -2052,7 +2064,7 @@
           <a:p>
             <a:fld id="{E4551058-E5DB-324A-A8E9-6D3BEF243C3B}" type="datetimeFigureOut">
               <a:rPr kumimoji="1" lang="zh-CN" altLang="en-US" smtClean="0"/>
-              <a:t>2022/6/5</a:t>
+              <a:t>2022/6/9</a:t>
             </a:fld>
             <a:endParaRPr kumimoji="1" lang="zh-CN" altLang="en-US"/>
           </a:p>
@@ -2122,46 +2134,6 @@
           </a:p>
         </p:txBody>
       </p:sp>
-      <p:pic>
-        <p:nvPicPr>
-          <p:cNvPr id="9" name="图片 8">
-            <a:extLst>
-              <a:ext uri="{FF2B5EF4-FFF2-40B4-BE49-F238E27FC236}">
-                <a16:creationId xmlns:a16="http://schemas.microsoft.com/office/drawing/2014/main" id="{CD445129-324C-FB4D-BDE9-F764F9C3CB9B}"/>
-              </a:ext>
-            </a:extLst>
-          </p:cNvPr>
-          <p:cNvPicPr>
-            <a:picLocks noChangeAspect="1"/>
-          </p:cNvPicPr>
-          <p:nvPr userDrawn="1"/>
-        </p:nvPicPr>
-        <p:blipFill>
-          <a:blip r:embed="rId2">
-            <a:duotone>
-              <a:schemeClr val="bg2">
-                <a:shade val="45000"/>
-                <a:satMod val="135000"/>
-              </a:schemeClr>
-              <a:prstClr val="white"/>
-            </a:duotone>
-            <a:alphaModFix/>
-            <a:lum bright="100000"/>
-          </a:blip>
-          <a:stretch>
-            <a:fillRect/>
-          </a:stretch>
-        </p:blipFill>
-        <p:spPr>
-          <a:xfrm>
-            <a:off x="8145415" y="5356394"/>
-            <a:ext cx="839724" cy="839724"/>
-          </a:xfrm>
-          <a:prstGeom prst="rect">
-            <a:avLst/>
-          </a:prstGeom>
-        </p:spPr>
-      </p:pic>
     </p:spTree>
     <p:extLst>
       <p:ext uri="{BB962C8B-B14F-4D97-AF65-F5344CB8AC3E}">
@@ -2327,7 +2299,7 @@
           <a:p>
             <a:fld id="{E4551058-E5DB-324A-A8E9-6D3BEF243C3B}" type="datetimeFigureOut">
               <a:rPr kumimoji="1" lang="zh-CN" altLang="en-US" smtClean="0"/>
-              <a:t>2022/6/5</a:t>
+              <a:t>2022/6/9</a:t>
             </a:fld>
             <a:endParaRPr kumimoji="1" lang="zh-CN" altLang="en-US"/>
           </a:p>
@@ -2498,7 +2470,7 @@
           <a:p>
             <a:pPr lvl="0"/>
             <a:r>
-              <a:rPr lang="zh-CN" altLang="en-US"/>
+              <a:rPr lang="zh-CN" altLang="en-US" dirty="0"/>
               <a:t>单击此处编辑母版文本样式</a:t>
             </a:r>
           </a:p>
@@ -2628,7 +2600,7 @@
           <a:p>
             <a:pPr lvl="0"/>
             <a:r>
-              <a:rPr lang="zh-CN" altLang="en-US"/>
+              <a:rPr lang="zh-CN" altLang="en-US" dirty="0"/>
               <a:t>单击此处编辑母版文本样式</a:t>
             </a:r>
           </a:p>
@@ -2710,7 +2682,7 @@
           <a:p>
             <a:fld id="{E4551058-E5DB-324A-A8E9-6D3BEF243C3B}" type="datetimeFigureOut">
               <a:rPr kumimoji="1" lang="zh-CN" altLang="en-US" smtClean="0"/>
-              <a:t>2022/6/5</a:t>
+              <a:t>2022/6/9</a:t>
             </a:fld>
             <a:endParaRPr kumimoji="1" lang="zh-CN" altLang="en-US"/>
           </a:p>
@@ -2833,7 +2805,7 @@
           <a:p>
             <a:fld id="{E4551058-E5DB-324A-A8E9-6D3BEF243C3B}" type="datetimeFigureOut">
               <a:rPr kumimoji="1" lang="zh-CN" altLang="en-US" smtClean="0"/>
-              <a:t>2022/6/5</a:t>
+              <a:t>2022/6/9</a:t>
             </a:fld>
             <a:endParaRPr kumimoji="1" lang="zh-CN" altLang="en-US"/>
           </a:p>
@@ -2956,7 +2928,7 @@
           <a:p>
             <a:fld id="{E4551058-E5DB-324A-A8E9-6D3BEF243C3B}" type="datetimeFigureOut">
               <a:rPr kumimoji="1" lang="zh-CN" altLang="en-US" smtClean="0"/>
-              <a:t>2022/6/5</a:t>
+              <a:t>2022/6/9</a:t>
             </a:fld>
             <a:endParaRPr kumimoji="1" lang="zh-CN" altLang="en-US"/>
           </a:p>
@@ -3124,6 +3096,36 @@
           </a:fontRef>
         </p:style>
       </p:sp>
+      <p:pic>
+        <p:nvPicPr>
+          <p:cNvPr id="12" name="图片 11">
+            <a:extLst>
+              <a:ext uri="{FF2B5EF4-FFF2-40B4-BE49-F238E27FC236}">
+                <a16:creationId xmlns:a16="http://schemas.microsoft.com/office/drawing/2014/main" id="{8126CB7F-D392-484C-BB9D-7A6DB9F569A3}"/>
+              </a:ext>
+            </a:extLst>
+          </p:cNvPr>
+          <p:cNvPicPr>
+            <a:picLocks noChangeAspect="1"/>
+          </p:cNvPicPr>
+          <p:nvPr userDrawn="1"/>
+        </p:nvPicPr>
+        <p:blipFill>
+          <a:blip r:embed="rId2"/>
+          <a:stretch>
+            <a:fillRect/>
+          </a:stretch>
+        </p:blipFill>
+        <p:spPr>
+          <a:xfrm>
+            <a:off x="8002014" y="5263790"/>
+            <a:ext cx="1011426" cy="1015200"/>
+          </a:xfrm>
+          <a:prstGeom prst="rect">
+            <a:avLst/>
+          </a:prstGeom>
+        </p:spPr>
+      </p:pic>
       <p:sp>
         <p:nvSpPr>
           <p:cNvPr id="2" name="Title 1"/>
@@ -3137,7 +3139,7 @@
         <p:spPr>
           <a:xfrm>
             <a:off x="435894" y="5262296"/>
-            <a:ext cx="3682084" cy="689514"/>
+            <a:ext cx="3682084" cy="605653"/>
           </a:xfrm>
           <a:prstGeom prst="rect">
             <a:avLst/>
@@ -3300,8 +3302,8 @@
         </p:nvSpPr>
         <p:spPr>
           <a:xfrm>
-            <a:off x="4305619" y="5262299"/>
-            <a:ext cx="3532445" cy="689515"/>
+            <a:off x="4305619" y="5262300"/>
+            <a:ext cx="3532445" cy="605650"/>
           </a:xfrm>
         </p:spPr>
         <p:txBody>
@@ -3387,7 +3389,7 @@
           <a:p>
             <a:fld id="{E4551058-E5DB-324A-A8E9-6D3BEF243C3B}" type="datetimeFigureOut">
               <a:rPr kumimoji="1" lang="zh-CN" altLang="en-US" smtClean="0"/>
-              <a:t>2022/6/5</a:t>
+              <a:t>2022/6/9</a:t>
             </a:fld>
             <a:endParaRPr kumimoji="1" lang="zh-CN" altLang="en-US"/>
           </a:p>
@@ -3457,46 +3459,6 @@
           </a:p>
         </p:txBody>
       </p:sp>
-      <p:pic>
-        <p:nvPicPr>
-          <p:cNvPr id="10" name="图片 9">
-            <a:extLst>
-              <a:ext uri="{FF2B5EF4-FFF2-40B4-BE49-F238E27FC236}">
-                <a16:creationId xmlns:a16="http://schemas.microsoft.com/office/drawing/2014/main" id="{0C1F149B-0952-6340-A546-C92DD1BFDB5B}"/>
-              </a:ext>
-            </a:extLst>
-          </p:cNvPr>
-          <p:cNvPicPr>
-            <a:picLocks noChangeAspect="1"/>
-          </p:cNvPicPr>
-          <p:nvPr userDrawn="1"/>
-        </p:nvPicPr>
-        <p:blipFill>
-          <a:blip r:embed="rId2">
-            <a:duotone>
-              <a:schemeClr val="bg2">
-                <a:shade val="45000"/>
-                <a:satMod val="135000"/>
-              </a:schemeClr>
-              <a:prstClr val="white"/>
-            </a:duotone>
-            <a:alphaModFix/>
-            <a:lum bright="100000"/>
-          </a:blip>
-          <a:stretch>
-            <a:fillRect/>
-          </a:stretch>
-        </p:blipFill>
-        <p:spPr>
-          <a:xfrm>
-            <a:off x="8145415" y="5356394"/>
-            <a:ext cx="839724" cy="839724"/>
-          </a:xfrm>
-          <a:prstGeom prst="rect">
-            <a:avLst/>
-          </a:prstGeom>
-        </p:spPr>
-      </p:pic>
     </p:spTree>
     <p:extLst>
       <p:ext uri="{BB962C8B-B14F-4D97-AF65-F5344CB8AC3E}">
@@ -3596,39 +3558,6 @@
       </p:sp>
       <p:sp>
         <p:nvSpPr>
-          <p:cNvPr id="2" name="Title Placeholder 1"/>
-          <p:cNvSpPr>
-            <a:spLocks noGrp="1"/>
-          </p:cNvSpPr>
-          <p:nvPr>
-            <p:ph type="title"/>
-          </p:nvPr>
-        </p:nvSpPr>
-        <p:spPr>
-          <a:xfrm>
-            <a:off x="202783" y="87749"/>
-            <a:ext cx="7942632" cy="1015200"/>
-          </a:xfrm>
-          <a:prstGeom prst="rect">
-            <a:avLst/>
-          </a:prstGeom>
-        </p:spPr>
-        <p:txBody>
-          <a:bodyPr vert="horz" lIns="91440" tIns="45720" rIns="91440" bIns="45720" rtlCol="0" anchor="ctr">
-            <a:normAutofit/>
-          </a:bodyPr>
-          <a:lstStyle/>
-          <a:p>
-            <a:r>
-              <a:rPr lang="zh-CN" altLang="en-US" dirty="0"/>
-              <a:t>单击此处编辑母版标题样式</a:t>
-            </a:r>
-            <a:endParaRPr lang="en-US" dirty="0"/>
-          </a:p>
-        </p:txBody>
-      </p:sp>
-      <p:sp>
-        <p:nvSpPr>
           <p:cNvPr id="3" name="Text Placeholder 2"/>
           <p:cNvSpPr>
             <a:spLocks noGrp="1"/>
@@ -3722,7 +3651,7 @@
           <a:p>
             <a:fld id="{E4551058-E5DB-324A-A8E9-6D3BEF243C3B}" type="datetimeFigureOut">
               <a:rPr kumimoji="1" lang="zh-CN" altLang="en-US" smtClean="0"/>
-              <a:t>2022/6/5</a:t>
+              <a:t>2022/6/9</a:t>
             </a:fld>
             <a:endParaRPr kumimoji="1" lang="zh-CN" altLang="en-US"/>
           </a:p>
@@ -3849,10 +3778,10 @@
       </p:sp>
       <p:pic>
         <p:nvPicPr>
-          <p:cNvPr id="17" name="图片 16">
+          <p:cNvPr id="10" name="图片 9">
             <a:extLst>
               <a:ext uri="{FF2B5EF4-FFF2-40B4-BE49-F238E27FC236}">
-                <a16:creationId xmlns:a16="http://schemas.microsoft.com/office/drawing/2014/main" id="{CAF9D175-885C-1A49-B3DA-29DD434BF3A9}"/>
+                <a16:creationId xmlns:a16="http://schemas.microsoft.com/office/drawing/2014/main" id="{7C2EC42D-1B2B-FA4D-975C-D1AB1C99B19E}"/>
               </a:ext>
             </a:extLst>
           </p:cNvPr>
@@ -3862,31 +3791,54 @@
           <p:nvPr userDrawn="1"/>
         </p:nvPicPr>
         <p:blipFill>
-          <a:blip r:embed="rId14">
-            <a:duotone>
-              <a:schemeClr val="bg2">
-                <a:shade val="45000"/>
-                <a:satMod val="135000"/>
-              </a:schemeClr>
-              <a:prstClr val="white"/>
-            </a:duotone>
-            <a:alphaModFix/>
-            <a:lum bright="100000"/>
-          </a:blip>
+          <a:blip r:embed="rId14"/>
           <a:stretch>
             <a:fillRect/>
           </a:stretch>
         </p:blipFill>
         <p:spPr>
           <a:xfrm>
-            <a:off x="8145415" y="174787"/>
-            <a:ext cx="839724" cy="839724"/>
+            <a:off x="8039580" y="87049"/>
+            <a:ext cx="1011426" cy="1015200"/>
           </a:xfrm>
           <a:prstGeom prst="rect">
             <a:avLst/>
           </a:prstGeom>
         </p:spPr>
       </p:pic>
+      <p:sp>
+        <p:nvSpPr>
+          <p:cNvPr id="2" name="Title Placeholder 1"/>
+          <p:cNvSpPr>
+            <a:spLocks noGrp="1"/>
+          </p:cNvSpPr>
+          <p:nvPr>
+            <p:ph type="title"/>
+          </p:nvPr>
+        </p:nvSpPr>
+        <p:spPr>
+          <a:xfrm>
+            <a:off x="202783" y="87749"/>
+            <a:ext cx="7836797" cy="1015200"/>
+          </a:xfrm>
+          <a:prstGeom prst="rect">
+            <a:avLst/>
+          </a:prstGeom>
+        </p:spPr>
+        <p:txBody>
+          <a:bodyPr vert="horz" lIns="91440" tIns="45720" rIns="91440" bIns="45720" rtlCol="0" anchor="ctr">
+            <a:normAutofit/>
+          </a:bodyPr>
+          <a:lstStyle/>
+          <a:p>
+            <a:r>
+              <a:rPr lang="zh-CN" altLang="en-US" dirty="0"/>
+              <a:t>单击此处编辑母版标题样式</a:t>
+            </a:r>
+            <a:endParaRPr lang="en-US" dirty="0"/>
+          </a:p>
+        </p:txBody>
+      </p:sp>
     </p:spTree>
     <p:extLst>
       <p:ext uri="{BB962C8B-B14F-4D97-AF65-F5344CB8AC3E}">
@@ -3916,7 +3868,7 @@
           <a:spcPct val="0"/>
         </a:spcBef>
         <a:buNone/>
-        <a:defRPr sz="2100" b="0" kern="1200" cap="all">
+        <a:defRPr sz="2100" b="0" kern="1200" cap="none" baseline="0">
           <a:solidFill>
             <a:schemeClr val="bg1"/>
           </a:solidFill>
@@ -4609,6 +4561,54 @@
             <a:endParaRPr kumimoji="1" lang="en-US" altLang="zh-CN" dirty="0"/>
           </a:p>
           <a:p>
+            <a:r>
+              <a:rPr kumimoji="1" lang="zh-CN" altLang="en-US" dirty="0"/>
+              <a:t>这个</a:t>
+            </a:r>
+            <a:r>
+              <a:rPr kumimoji="1" lang="en-US" altLang="zh-CN" dirty="0"/>
+              <a:t>PPT</a:t>
+            </a:r>
+            <a:r>
+              <a:rPr kumimoji="1" lang="zh-CN" altLang="en-US" dirty="0"/>
+              <a:t>模板来自：</a:t>
+            </a:r>
+            <a:r>
+              <a:rPr kumimoji="1" lang="en-US" altLang="zh-CN" dirty="0">
+                <a:hlinkClick r:id="rId2"/>
+              </a:rPr>
+              <a:t>https://github.com/atomiechen/THU-PPT-Theme</a:t>
+            </a:r>
+            <a:endParaRPr kumimoji="1" lang="en-US" altLang="zh-CN" dirty="0"/>
+          </a:p>
+          <a:p>
+            <a:pPr lvl="1"/>
+            <a:r>
+              <a:rPr kumimoji="1" lang="zh-CN" altLang="en-US" dirty="0"/>
+              <a:t>如果大家喜欢，欢迎给我</a:t>
+            </a:r>
+            <a:r>
+              <a:rPr kumimoji="1" lang="en-US" altLang="zh-CN" dirty="0"/>
+              <a:t>star</a:t>
+            </a:r>
+            <a:r>
+              <a:rPr kumimoji="1" lang="zh-CN" altLang="en-US" dirty="0"/>
+              <a:t>，也欢迎</a:t>
+            </a:r>
+            <a:r>
+              <a:rPr kumimoji="1" lang="en-US" altLang="zh-CN" dirty="0"/>
+              <a:t>PR</a:t>
+            </a:r>
+            <a:r>
+              <a:rPr kumimoji="1" lang="zh-CN" altLang="en-US" dirty="0"/>
+              <a:t>贡献更多变体！</a:t>
+            </a:r>
+            <a:endParaRPr kumimoji="1" lang="en-US" altLang="zh-CN" dirty="0"/>
+          </a:p>
+          <a:p>
+            <a:endParaRPr kumimoji="1" lang="en-US" altLang="zh-CN" dirty="0"/>
+          </a:p>
+          <a:p>
             <a:endParaRPr kumimoji="1" lang="zh-CN" altLang="en-US" dirty="0"/>
           </a:p>
         </p:txBody>
@@ -4746,6 +4746,19 @@
               <a:rPr kumimoji="1" lang="zh-CN" altLang="en-US" dirty="0"/>
               <a:t>更多页面款式供你选！</a:t>
             </a:r>
+            <a:endParaRPr kumimoji="1" lang="en-US" altLang="zh-CN" dirty="0"/>
+          </a:p>
+          <a:p>
+            <a:r>
+              <a:rPr kumimoji="1" lang="en-US" altLang="zh-CN" dirty="0">
+                <a:hlinkClick r:id="rId2"/>
+              </a:rPr>
+              <a:t>https://github.com/atomiechen/THU-PPT-Theme</a:t>
+            </a:r>
+            <a:endParaRPr kumimoji="1" lang="en-US" altLang="zh-CN" dirty="0"/>
+          </a:p>
+          <a:p>
+            <a:endParaRPr kumimoji="1" lang="zh-CN" altLang="en-US" dirty="0"/>
           </a:p>
           <a:p>
             <a:endParaRPr kumimoji="1" lang="zh-CN" altLang="en-US" dirty="0"/>
@@ -4862,6 +4875,25 @@
               <a:t>广而传播使用！</a:t>
             </a:r>
             <a:endParaRPr kumimoji="1" lang="en" altLang="zh-CN" dirty="0"/>
+          </a:p>
+          <a:p>
+            <a:r>
+              <a:rPr kumimoji="1" lang="zh-CN" altLang="en" dirty="0"/>
+              <a:t>链接</a:t>
+            </a:r>
+            <a:r>
+              <a:rPr kumimoji="1" lang="zh-CN" altLang="en-US" dirty="0"/>
+              <a:t>点开之后颜色会有变化（欢迎</a:t>
+            </a:r>
+            <a:r>
+              <a:rPr kumimoji="1" lang="en-US" altLang="zh-CN" dirty="0"/>
+              <a:t>star</a:t>
+            </a:r>
+            <a:r>
+              <a:rPr kumimoji="1" lang="zh-CN" altLang="en-US" dirty="0"/>
+              <a:t>）</a:t>
+            </a:r>
+            <a:endParaRPr kumimoji="1" lang="en-US" altLang="zh-CN" dirty="0"/>
           </a:p>
           <a:p>
             <a:endParaRPr kumimoji="1" lang="zh-CN" altLang="en-US" dirty="0"/>
@@ -4984,10 +5016,10 @@
       </p:sp>
       <p:pic>
         <p:nvPicPr>
-          <p:cNvPr id="5" name="图片占位符 6">
+          <p:cNvPr id="3" name="图片 2">
             <a:extLst>
               <a:ext uri="{FF2B5EF4-FFF2-40B4-BE49-F238E27FC236}">
-                <a16:creationId xmlns:a16="http://schemas.microsoft.com/office/drawing/2014/main" id="{BF561D2F-645F-2240-9899-6C715947E1D7}"/>
+                <a16:creationId xmlns:a16="http://schemas.microsoft.com/office/drawing/2014/main" id="{044A7911-C555-314D-A584-D68172D261D0}"/>
               </a:ext>
             </a:extLst>
           </p:cNvPr>
@@ -4996,26 +5028,16 @@
           </p:cNvPicPr>
           <p:nvPr/>
         </p:nvPicPr>
-        <p:blipFill rotWithShape="1">
-          <a:blip r:embed="rId2">
-            <a:clrChange>
-              <a:clrFrom>
-                <a:srgbClr val="ECECEC"/>
-              </a:clrFrom>
-              <a:clrTo>
-                <a:srgbClr val="ECECEC">
-                  <a:alpha val="0"/>
-                </a:srgbClr>
-              </a:clrTo>
-            </a:clrChange>
-          </a:blip>
-          <a:srcRect l="642" t="642" r="281" b="1955"/>
-          <a:stretch/>
+        <p:blipFill>
+          <a:blip r:embed="rId2"/>
+          <a:stretch>
+            <a:fillRect/>
+          </a:stretch>
         </p:blipFill>
         <p:spPr>
           <a:xfrm>
-            <a:off x="1943101" y="1358550"/>
-            <a:ext cx="5242892" cy="2932904"/>
+            <a:off x="1090208" y="753086"/>
+            <a:ext cx="6963584" cy="3940300"/>
           </a:xfrm>
           <a:prstGeom prst="rect">
             <a:avLst/>
@@ -5335,7 +5357,7 @@
 <file path=ppt/theme/theme1.xml><?xml version="1.0" encoding="utf-8"?>
 <a:theme xmlns:a="http://schemas.openxmlformats.org/drawingml/2006/main" name="清华简约主题-顶边-4:3">
   <a:themeElements>
-    <a:clrScheme name="自定义 4">
+    <a:clrScheme name="清华紫主题">
       <a:dk1>
         <a:srgbClr val="000000"/>
       </a:dk1>
@@ -5349,10 +5371,10 @@
         <a:srgbClr val="EBEBEB"/>
       </a:lt2>
       <a:accent1>
-        <a:srgbClr val="5C2F7D"/>
+        <a:srgbClr val="660874"/>
       </a:accent1>
       <a:accent2>
-        <a:srgbClr val="5C2F7D"/>
+        <a:srgbClr val="660874"/>
       </a:accent2>
       <a:accent3>
         <a:srgbClr val="E6C46D"/>
@@ -5367,10 +5389,10 @@
         <a:srgbClr val="5A8071"/>
       </a:accent6>
       <a:hlink>
-        <a:srgbClr val="828282"/>
+        <a:srgbClr val="007698"/>
       </a:hlink>
       <a:folHlink>
-        <a:srgbClr val="A5A5A5"/>
+        <a:srgbClr val="43064C"/>
       </a:folHlink>
     </a:clrScheme>
     <a:fontScheme name="红利">
